--- a/doc/task-01/Präsentation/Task01- Ärzte - Suchtpatienten.pptx
+++ b/doc/task-01/Präsentation/Task01- Ärzte - Suchtpatienten.pptx
@@ -185,6 +185,32 @@
 </p:presentation>
 </file>
 
+<file path=ppt/commentAuthors.xml><?xml version="1.0" encoding="utf-8"?>
+<p:cmAuthorLst xmlns:a="http://schemas.openxmlformats.org/drawingml/2006/main" xmlns:r="http://schemas.openxmlformats.org/officeDocument/2006/relationships" xmlns:p="http://schemas.openxmlformats.org/presentationml/2006/main">
+  <p:cmAuthor id="1" name="David Gaupp" initials="DG" lastIdx="1" clrIdx="0">
+    <p:extLst>
+      <p:ext uri="{19B8F6BF-5375-455C-9EA6-DF929625EA0E}">
+        <p15:presenceInfo xmlns:p15="http://schemas.microsoft.com/office/powerpoint/2012/main" userId="10601fb208c8ded0" providerId="Windows Live"/>
+      </p:ext>
+    </p:extLst>
+  </p:cmAuthor>
+</p:cmAuthorLst>
+</file>
+
+<file path=ppt/comments/comment1.xml><?xml version="1.0" encoding="utf-8"?>
+<p:cmLst xmlns:a="http://schemas.openxmlformats.org/drawingml/2006/main" xmlns:r="http://schemas.openxmlformats.org/officeDocument/2006/relationships" xmlns:p="http://schemas.openxmlformats.org/presentationml/2006/main">
+  <p:cm authorId="1" dt="2019-10-31T11:07:10.518" idx="1">
+    <p:pos x="10" y="10"/>
+    <p:text>Nach der Konsultation kann der Arzt mittels PMS einen Nachtermin erstellen. Mithilfe eines Buttons sollte dies realisiert werden. Durch die Wochenansicht ist eine übersichtliche Darstellung vorhanden. Zudem verfügt die Wochenansicht über eine Scrollbar, falls es an einem Tag zu vielen Terminen kommt. Mit der Searchbar können Mitarbeiter gesucht werden. Des Weiteren kann eine persönliche Todo–Liste erstellt werden, sodass die weniger wichtigen Dinge trotzdem nicht vergessen gehen. Anhand der Mitarbeiterliste kann ermittelt werden, ob die Person anwesend ist oder nicht.</p:text>
+    <p:extLst>
+      <p:ext uri="{C676402C-5697-4E1C-873F-D02D1690AC5C}">
+        <p15:threadingInfo xmlns:p15="http://schemas.microsoft.com/office/powerpoint/2012/main" timeZoneBias="-60"/>
+      </p:ext>
+    </p:extLst>
+  </p:cm>
+</p:cmLst>
+</file>
+
 <file path=ppt/notesMasters/notesMaster1.xml><?xml version="1.0" encoding="utf-8"?>
 <p:notesMaster xmlns:a="http://schemas.openxmlformats.org/drawingml/2006/main" xmlns:r="http://schemas.openxmlformats.org/officeDocument/2006/relationships" xmlns:p="http://schemas.openxmlformats.org/presentationml/2006/main">
   <p:cSld>
@@ -866,9 +892,17 @@
             <a:br>
               <a:rPr lang="de-DE" noProof="0" dirty="0"/>
             </a:br>
+            <a:r>
+              <a:rPr lang="de-DE" noProof="0" dirty="0"/>
+              <a:t/>
+            </a:r>
             <a:br>
               <a:rPr lang="de-DE" noProof="0" dirty="0"/>
             </a:br>
+            <a:r>
+              <a:rPr lang="de-DE" noProof="0" dirty="0"/>
+              <a:t/>
+            </a:r>
             <a:br>
               <a:rPr lang="de-DE" noProof="0" dirty="0"/>
             </a:br>
@@ -6625,7 +6659,7 @@
           <p:cNvPr id="3" name="Bildplatzhalter 2">
             <a:extLst>
               <a:ext uri="{FF2B5EF4-FFF2-40B4-BE49-F238E27FC236}">
-                <a16:creationId xmlns:a16="http://schemas.microsoft.com/office/drawing/2014/main" id="{772948CB-F8FB-431D-B98C-B24593EEFDA0}"/>
+                <a16:creationId xmlns:a16="http://schemas.microsoft.com/office/drawing/2014/main" xmlns="" id="{772948CB-F8FB-431D-B98C-B24593EEFDA0}"/>
               </a:ext>
             </a:extLst>
           </p:cNvPr>
@@ -6874,6 +6908,13 @@
   <p:clrMapOvr>
     <a:masterClrMapping/>
   </p:clrMapOvr>
+  <p:timing>
+    <p:tnLst>
+      <p:par>
+        <p:cTn id="1" dur="indefinite" restart="never" nodeType="tmRoot"/>
+      </p:par>
+    </p:tnLst>
+  </p:timing>
 </p:sld>
 </file>
 
@@ -7070,7 +7111,7 @@
           <p:cNvPr id="8" name="Inhaltsplatzhalter 7">
             <a:extLst>
               <a:ext uri="{FF2B5EF4-FFF2-40B4-BE49-F238E27FC236}">
-                <a16:creationId xmlns:a16="http://schemas.microsoft.com/office/drawing/2014/main" id="{3D88948C-9548-4FD9-800C-76E0A31FC96F}"/>
+                <a16:creationId xmlns:a16="http://schemas.microsoft.com/office/drawing/2014/main" xmlns="" id="{3D88948C-9548-4FD9-800C-76E0A31FC96F}"/>
               </a:ext>
             </a:extLst>
           </p:cNvPr>
@@ -7101,7 +7142,7 @@
           <p:cNvPr id="16" name="Inhaltsplatzhalter 15">
             <a:extLst>
               <a:ext uri="{FF2B5EF4-FFF2-40B4-BE49-F238E27FC236}">
-                <a16:creationId xmlns:a16="http://schemas.microsoft.com/office/drawing/2014/main" id="{0410DE50-9674-435D-8F1A-F251F44004E0}"/>
+                <a16:creationId xmlns:a16="http://schemas.microsoft.com/office/drawing/2014/main" xmlns="" id="{0410DE50-9674-435D-8F1A-F251F44004E0}"/>
               </a:ext>
             </a:extLst>
           </p:cNvPr>
@@ -7132,7 +7173,7 @@
           <p:cNvPr id="7" name="Grafik 6">
             <a:extLst>
               <a:ext uri="{FF2B5EF4-FFF2-40B4-BE49-F238E27FC236}">
-                <a16:creationId xmlns:a16="http://schemas.microsoft.com/office/drawing/2014/main" id="{10F94BE2-C3C2-4528-A6C4-7DF1C008A728}"/>
+                <a16:creationId xmlns:a16="http://schemas.microsoft.com/office/drawing/2014/main" xmlns="" id="{10F94BE2-C3C2-4528-A6C4-7DF1C008A728}"/>
               </a:ext>
             </a:extLst>
           </p:cNvPr>
@@ -7174,7 +7215,7 @@
           <p:cNvPr id="9" name="Grafik 8">
             <a:extLst>
               <a:ext uri="{FF2B5EF4-FFF2-40B4-BE49-F238E27FC236}">
-                <a16:creationId xmlns:a16="http://schemas.microsoft.com/office/drawing/2014/main" id="{6F287B04-8F78-4A38-8C64-84FB47A749FF}"/>
+                <a16:creationId xmlns:a16="http://schemas.microsoft.com/office/drawing/2014/main" xmlns="" id="{6F287B04-8F78-4A38-8C64-84FB47A749FF}"/>
               </a:ext>
             </a:extLst>
           </p:cNvPr>
@@ -7221,6 +7262,13 @@
   <p:clrMapOvr>
     <a:masterClrMapping/>
   </p:clrMapOvr>
+  <p:timing>
+    <p:tnLst>
+      <p:par>
+        <p:cTn id="1" dur="indefinite" restart="never" nodeType="tmRoot"/>
+      </p:par>
+    </p:tnLst>
+  </p:timing>
 </p:sld>
 </file>
 
@@ -7472,6 +7520,13 @@
   <p:clrMapOvr>
     <a:masterClrMapping/>
   </p:clrMapOvr>
+  <p:timing>
+    <p:tnLst>
+      <p:par>
+        <p:cTn id="1" dur="indefinite" restart="never" nodeType="tmRoot"/>
+      </p:par>
+    </p:tnLst>
+  </p:timing>
 </p:sld>
 </file>
 
@@ -7682,7 +7737,7 @@
           <p:cNvPr id="8" name="Inhaltsplatzhalter 7">
             <a:extLst>
               <a:ext uri="{FF2B5EF4-FFF2-40B4-BE49-F238E27FC236}">
-                <a16:creationId xmlns:a16="http://schemas.microsoft.com/office/drawing/2014/main" id="{3D88948C-9548-4FD9-800C-76E0A31FC96F}"/>
+                <a16:creationId xmlns:a16="http://schemas.microsoft.com/office/drawing/2014/main" xmlns="" id="{3D88948C-9548-4FD9-800C-76E0A31FC96F}"/>
               </a:ext>
             </a:extLst>
           </p:cNvPr>
@@ -7713,7 +7768,7 @@
           <p:cNvPr id="16" name="Inhaltsplatzhalter 15">
             <a:extLst>
               <a:ext uri="{FF2B5EF4-FFF2-40B4-BE49-F238E27FC236}">
-                <a16:creationId xmlns:a16="http://schemas.microsoft.com/office/drawing/2014/main" id="{0410DE50-9674-435D-8F1A-F251F44004E0}"/>
+                <a16:creationId xmlns:a16="http://schemas.microsoft.com/office/drawing/2014/main" xmlns="" id="{0410DE50-9674-435D-8F1A-F251F44004E0}"/>
               </a:ext>
             </a:extLst>
           </p:cNvPr>
@@ -7744,7 +7799,7 @@
           <p:cNvPr id="10" name="Grafik 9">
             <a:extLst>
               <a:ext uri="{FF2B5EF4-FFF2-40B4-BE49-F238E27FC236}">
-                <a16:creationId xmlns:a16="http://schemas.microsoft.com/office/drawing/2014/main" id="{5F5C198C-A689-44DD-9C08-B7438D2C85C7}"/>
+                <a16:creationId xmlns:a16="http://schemas.microsoft.com/office/drawing/2014/main" xmlns="" id="{5F5C198C-A689-44DD-9C08-B7438D2C85C7}"/>
               </a:ext>
             </a:extLst>
           </p:cNvPr>
@@ -7788,7 +7843,7 @@
           <p:cNvPr id="11" name="Grafik 10">
             <a:extLst>
               <a:ext uri="{FF2B5EF4-FFF2-40B4-BE49-F238E27FC236}">
-                <a16:creationId xmlns:a16="http://schemas.microsoft.com/office/drawing/2014/main" id="{3DA2E577-610A-4B1E-A016-459D0376536D}"/>
+                <a16:creationId xmlns:a16="http://schemas.microsoft.com/office/drawing/2014/main" xmlns="" id="{3DA2E577-610A-4B1E-A016-459D0376536D}"/>
               </a:ext>
             </a:extLst>
           </p:cNvPr>
@@ -7836,6 +7891,13 @@
   <p:clrMapOvr>
     <a:masterClrMapping/>
   </p:clrMapOvr>
+  <p:timing>
+    <p:tnLst>
+      <p:par>
+        <p:cTn id="1" dur="indefinite" restart="never" nodeType="tmRoot"/>
+      </p:par>
+    </p:tnLst>
+  </p:timing>
 </p:sld>
 </file>
 
@@ -8046,7 +8108,7 @@
           <p:cNvPr id="8" name="Inhaltsplatzhalter 7">
             <a:extLst>
               <a:ext uri="{FF2B5EF4-FFF2-40B4-BE49-F238E27FC236}">
-                <a16:creationId xmlns:a16="http://schemas.microsoft.com/office/drawing/2014/main" id="{3D88948C-9548-4FD9-800C-76E0A31FC96F}"/>
+                <a16:creationId xmlns:a16="http://schemas.microsoft.com/office/drawing/2014/main" xmlns="" id="{3D88948C-9548-4FD9-800C-76E0A31FC96F}"/>
               </a:ext>
             </a:extLst>
           </p:cNvPr>
@@ -8077,7 +8139,7 @@
           <p:cNvPr id="16" name="Inhaltsplatzhalter 15">
             <a:extLst>
               <a:ext uri="{FF2B5EF4-FFF2-40B4-BE49-F238E27FC236}">
-                <a16:creationId xmlns:a16="http://schemas.microsoft.com/office/drawing/2014/main" id="{0410DE50-9674-435D-8F1A-F251F44004E0}"/>
+                <a16:creationId xmlns:a16="http://schemas.microsoft.com/office/drawing/2014/main" xmlns="" id="{0410DE50-9674-435D-8F1A-F251F44004E0}"/>
               </a:ext>
             </a:extLst>
           </p:cNvPr>
@@ -8108,7 +8170,7 @@
           <p:cNvPr id="9" name="Grafik 8">
             <a:extLst>
               <a:ext uri="{FF2B5EF4-FFF2-40B4-BE49-F238E27FC236}">
-                <a16:creationId xmlns:a16="http://schemas.microsoft.com/office/drawing/2014/main" id="{AECFBD7A-5407-4779-A473-871ACAC21823}"/>
+                <a16:creationId xmlns:a16="http://schemas.microsoft.com/office/drawing/2014/main" xmlns="" id="{AECFBD7A-5407-4779-A473-871ACAC21823}"/>
               </a:ext>
             </a:extLst>
           </p:cNvPr>
@@ -8151,7 +8213,7 @@
           <p:cNvPr id="12" name="Grafik 11">
             <a:extLst>
               <a:ext uri="{FF2B5EF4-FFF2-40B4-BE49-F238E27FC236}">
-                <a16:creationId xmlns:a16="http://schemas.microsoft.com/office/drawing/2014/main" id="{A9F01B2B-73C7-4F55-9495-BB880A03D6AE}"/>
+                <a16:creationId xmlns:a16="http://schemas.microsoft.com/office/drawing/2014/main" xmlns="" id="{A9F01B2B-73C7-4F55-9495-BB880A03D6AE}"/>
               </a:ext>
             </a:extLst>
           </p:cNvPr>
@@ -8199,6 +8261,13 @@
   <p:clrMapOvr>
     <a:masterClrMapping/>
   </p:clrMapOvr>
+  <p:timing>
+    <p:tnLst>
+      <p:par>
+        <p:cTn id="1" dur="indefinite" restart="never" nodeType="tmRoot"/>
+      </p:par>
+    </p:tnLst>
+  </p:timing>
 </p:sld>
 </file>
 
@@ -8355,7 +8424,7 @@
           <p:cNvPr id="8" name="Inhaltsplatzhalter 7">
             <a:extLst>
               <a:ext uri="{FF2B5EF4-FFF2-40B4-BE49-F238E27FC236}">
-                <a16:creationId xmlns:a16="http://schemas.microsoft.com/office/drawing/2014/main" id="{3D88948C-9548-4FD9-800C-76E0A31FC96F}"/>
+                <a16:creationId xmlns:a16="http://schemas.microsoft.com/office/drawing/2014/main" xmlns="" id="{3D88948C-9548-4FD9-800C-76E0A31FC96F}"/>
               </a:ext>
             </a:extLst>
           </p:cNvPr>
@@ -8386,7 +8455,7 @@
           <p:cNvPr id="10" name="Grafik 9">
             <a:extLst>
               <a:ext uri="{FF2B5EF4-FFF2-40B4-BE49-F238E27FC236}">
-                <a16:creationId xmlns:a16="http://schemas.microsoft.com/office/drawing/2014/main" id="{725851E1-B7B2-4E2B-9801-205C36546D6B}"/>
+                <a16:creationId xmlns:a16="http://schemas.microsoft.com/office/drawing/2014/main" xmlns="" id="{725851E1-B7B2-4E2B-9801-205C36546D6B}"/>
               </a:ext>
             </a:extLst>
           </p:cNvPr>
@@ -8434,6 +8503,13 @@
   <p:clrMapOvr>
     <a:masterClrMapping/>
   </p:clrMapOvr>
+  <p:timing>
+    <p:tnLst>
+      <p:par>
+        <p:cTn id="1" dur="indefinite" restart="never" nodeType="tmRoot"/>
+      </p:par>
+    </p:tnLst>
+  </p:timing>
 </p:sld>
 </file>
 
@@ -8695,6 +8771,13 @@
   <p:clrMapOvr>
     <a:masterClrMapping/>
   </p:clrMapOvr>
+  <p:timing>
+    <p:tnLst>
+      <p:par>
+        <p:cTn id="1" dur="indefinite" restart="never" nodeType="tmRoot"/>
+      </p:par>
+    </p:tnLst>
+  </p:timing>
 </p:sld>
 </file>
 
@@ -8891,7 +8974,7 @@
           <p:cNvPr id="8" name="Inhaltsplatzhalter 7">
             <a:extLst>
               <a:ext uri="{FF2B5EF4-FFF2-40B4-BE49-F238E27FC236}">
-                <a16:creationId xmlns:a16="http://schemas.microsoft.com/office/drawing/2014/main" id="{3D88948C-9548-4FD9-800C-76E0A31FC96F}"/>
+                <a16:creationId xmlns:a16="http://schemas.microsoft.com/office/drawing/2014/main" xmlns="" id="{3D88948C-9548-4FD9-800C-76E0A31FC96F}"/>
               </a:ext>
             </a:extLst>
           </p:cNvPr>
@@ -8922,7 +9005,7 @@
           <p:cNvPr id="16" name="Inhaltsplatzhalter 15">
             <a:extLst>
               <a:ext uri="{FF2B5EF4-FFF2-40B4-BE49-F238E27FC236}">
-                <a16:creationId xmlns:a16="http://schemas.microsoft.com/office/drawing/2014/main" id="{0410DE50-9674-435D-8F1A-F251F44004E0}"/>
+                <a16:creationId xmlns:a16="http://schemas.microsoft.com/office/drawing/2014/main" xmlns="" id="{0410DE50-9674-435D-8F1A-F251F44004E0}"/>
               </a:ext>
             </a:extLst>
           </p:cNvPr>
@@ -8953,7 +9036,7 @@
           <p:cNvPr id="12" name="Grafik 11">
             <a:extLst>
               <a:ext uri="{FF2B5EF4-FFF2-40B4-BE49-F238E27FC236}">
-                <a16:creationId xmlns:a16="http://schemas.microsoft.com/office/drawing/2014/main" id="{74ACB55D-787F-4D0E-B35D-CA29FB9B116C}"/>
+                <a16:creationId xmlns:a16="http://schemas.microsoft.com/office/drawing/2014/main" xmlns="" id="{74ACB55D-787F-4D0E-B35D-CA29FB9B116C}"/>
               </a:ext>
             </a:extLst>
           </p:cNvPr>
@@ -8997,7 +9080,7 @@
           <p:cNvPr id="13" name="Grafik 12">
             <a:extLst>
               <a:ext uri="{FF2B5EF4-FFF2-40B4-BE49-F238E27FC236}">
-                <a16:creationId xmlns:a16="http://schemas.microsoft.com/office/drawing/2014/main" id="{E755B204-E993-43E4-9254-6D296CE74307}"/>
+                <a16:creationId xmlns:a16="http://schemas.microsoft.com/office/drawing/2014/main" xmlns="" id="{E755B204-E993-43E4-9254-6D296CE74307}"/>
               </a:ext>
             </a:extLst>
           </p:cNvPr>
@@ -9046,6 +9129,13 @@
   <p:clrMapOvr>
     <a:masterClrMapping/>
   </p:clrMapOvr>
+  <p:timing>
+    <p:tnLst>
+      <p:par>
+        <p:cTn id="1" dur="indefinite" restart="never" nodeType="tmRoot"/>
+      </p:par>
+    </p:tnLst>
+  </p:timing>
 </p:sld>
 </file>
 
@@ -9242,7 +9332,7 @@
           <p:cNvPr id="8" name="Inhaltsplatzhalter 7">
             <a:extLst>
               <a:ext uri="{FF2B5EF4-FFF2-40B4-BE49-F238E27FC236}">
-                <a16:creationId xmlns:a16="http://schemas.microsoft.com/office/drawing/2014/main" id="{3D88948C-9548-4FD9-800C-76E0A31FC96F}"/>
+                <a16:creationId xmlns:a16="http://schemas.microsoft.com/office/drawing/2014/main" xmlns="" id="{3D88948C-9548-4FD9-800C-76E0A31FC96F}"/>
               </a:ext>
             </a:extLst>
           </p:cNvPr>
@@ -9273,7 +9363,7 @@
           <p:cNvPr id="16" name="Inhaltsplatzhalter 15">
             <a:extLst>
               <a:ext uri="{FF2B5EF4-FFF2-40B4-BE49-F238E27FC236}">
-                <a16:creationId xmlns:a16="http://schemas.microsoft.com/office/drawing/2014/main" id="{0410DE50-9674-435D-8F1A-F251F44004E0}"/>
+                <a16:creationId xmlns:a16="http://schemas.microsoft.com/office/drawing/2014/main" xmlns="" id="{0410DE50-9674-435D-8F1A-F251F44004E0}"/>
               </a:ext>
             </a:extLst>
           </p:cNvPr>
@@ -9304,7 +9394,7 @@
           <p:cNvPr id="9" name="Grafik 8">
             <a:extLst>
               <a:ext uri="{FF2B5EF4-FFF2-40B4-BE49-F238E27FC236}">
-                <a16:creationId xmlns:a16="http://schemas.microsoft.com/office/drawing/2014/main" id="{3C6D4683-7751-4830-B5E0-CFB151D67320}"/>
+                <a16:creationId xmlns:a16="http://schemas.microsoft.com/office/drawing/2014/main" xmlns="" id="{3C6D4683-7751-4830-B5E0-CFB151D67320}"/>
               </a:ext>
             </a:extLst>
           </p:cNvPr>
@@ -9348,7 +9438,7 @@
           <p:cNvPr id="10" name="Grafik 9">
             <a:extLst>
               <a:ext uri="{FF2B5EF4-FFF2-40B4-BE49-F238E27FC236}">
-                <a16:creationId xmlns:a16="http://schemas.microsoft.com/office/drawing/2014/main" id="{477CACDC-1676-4E47-A594-1F937399528A}"/>
+                <a16:creationId xmlns:a16="http://schemas.microsoft.com/office/drawing/2014/main" xmlns="" id="{477CACDC-1676-4E47-A594-1F937399528A}"/>
               </a:ext>
             </a:extLst>
           </p:cNvPr>
@@ -9397,6 +9487,13 @@
   <p:clrMapOvr>
     <a:masterClrMapping/>
   </p:clrMapOvr>
+  <p:timing>
+    <p:tnLst>
+      <p:par>
+        <p:cTn id="1" dur="indefinite" restart="never" nodeType="tmRoot"/>
+      </p:par>
+    </p:tnLst>
+  </p:timing>
 </p:sld>
 </file>
 
@@ -9593,7 +9690,7 @@
           <p:cNvPr id="8" name="Inhaltsplatzhalter 7">
             <a:extLst>
               <a:ext uri="{FF2B5EF4-FFF2-40B4-BE49-F238E27FC236}">
-                <a16:creationId xmlns:a16="http://schemas.microsoft.com/office/drawing/2014/main" id="{3D88948C-9548-4FD9-800C-76E0A31FC96F}"/>
+                <a16:creationId xmlns:a16="http://schemas.microsoft.com/office/drawing/2014/main" xmlns="" id="{3D88948C-9548-4FD9-800C-76E0A31FC96F}"/>
               </a:ext>
             </a:extLst>
           </p:cNvPr>
@@ -9624,7 +9721,7 @@
           <p:cNvPr id="16" name="Inhaltsplatzhalter 15">
             <a:extLst>
               <a:ext uri="{FF2B5EF4-FFF2-40B4-BE49-F238E27FC236}">
-                <a16:creationId xmlns:a16="http://schemas.microsoft.com/office/drawing/2014/main" id="{0410DE50-9674-435D-8F1A-F251F44004E0}"/>
+                <a16:creationId xmlns:a16="http://schemas.microsoft.com/office/drawing/2014/main" xmlns="" id="{0410DE50-9674-435D-8F1A-F251F44004E0}"/>
               </a:ext>
             </a:extLst>
           </p:cNvPr>
@@ -9655,7 +9752,7 @@
           <p:cNvPr id="11" name="Grafik 10">
             <a:extLst>
               <a:ext uri="{FF2B5EF4-FFF2-40B4-BE49-F238E27FC236}">
-                <a16:creationId xmlns:a16="http://schemas.microsoft.com/office/drawing/2014/main" id="{7EC44C90-B4BC-4BD1-9E46-E4004E00F8AE}"/>
+                <a16:creationId xmlns:a16="http://schemas.microsoft.com/office/drawing/2014/main" xmlns="" id="{7EC44C90-B4BC-4BD1-9E46-E4004E00F8AE}"/>
               </a:ext>
             </a:extLst>
           </p:cNvPr>
@@ -9699,7 +9796,7 @@
           <p:cNvPr id="12" name="Grafik 11">
             <a:extLst>
               <a:ext uri="{FF2B5EF4-FFF2-40B4-BE49-F238E27FC236}">
-                <a16:creationId xmlns:a16="http://schemas.microsoft.com/office/drawing/2014/main" id="{895505E5-B7CC-456F-8009-FCAE4383D48B}"/>
+                <a16:creationId xmlns:a16="http://schemas.microsoft.com/office/drawing/2014/main" xmlns="" id="{895505E5-B7CC-456F-8009-FCAE4383D48B}"/>
               </a:ext>
             </a:extLst>
           </p:cNvPr>
@@ -9748,6 +9845,13 @@
   <p:clrMapOvr>
     <a:masterClrMapping/>
   </p:clrMapOvr>
+  <p:timing>
+    <p:tnLst>
+      <p:par>
+        <p:cTn id="1" dur="indefinite" restart="never" nodeType="tmRoot"/>
+      </p:par>
+    </p:tnLst>
+  </p:timing>
 </p:sld>
 </file>
 
@@ -10005,6 +10109,13 @@
   <p:clrMapOvr>
     <a:masterClrMapping/>
   </p:clrMapOvr>
+  <p:timing>
+    <p:tnLst>
+      <p:par>
+        <p:cTn id="1" dur="indefinite" restart="never" nodeType="tmRoot"/>
+      </p:par>
+    </p:tnLst>
+  </p:timing>
 </p:sld>
 </file>
 
@@ -10242,6 +10353,13 @@
   <p:clrMapOvr>
     <a:masterClrMapping/>
   </p:clrMapOvr>
+  <p:timing>
+    <p:tnLst>
+      <p:par>
+        <p:cTn id="1" dur="indefinite" restart="never" nodeType="tmRoot"/>
+      </p:par>
+    </p:tnLst>
+  </p:timing>
 </p:sld>
 </file>
 
@@ -10267,7 +10385,7 @@
           <p:cNvPr id="3" name="Titel 2">
             <a:extLst>
               <a:ext uri="{FF2B5EF4-FFF2-40B4-BE49-F238E27FC236}">
-                <a16:creationId xmlns:a16="http://schemas.microsoft.com/office/drawing/2014/main" id="{70DB95BE-F10A-4B7A-8B13-BB3D6D491889}"/>
+                <a16:creationId xmlns:a16="http://schemas.microsoft.com/office/drawing/2014/main" xmlns="" id="{70DB95BE-F10A-4B7A-8B13-BB3D6D491889}"/>
               </a:ext>
             </a:extLst>
           </p:cNvPr>
@@ -10304,7 +10422,7 @@
           <p:cNvPr id="4" name="Grafik 3">
             <a:extLst>
               <a:ext uri="{FF2B5EF4-FFF2-40B4-BE49-F238E27FC236}">
-                <a16:creationId xmlns:a16="http://schemas.microsoft.com/office/drawing/2014/main" id="{69B65482-22DB-43AF-9B21-19689A4A66B4}"/>
+                <a16:creationId xmlns:a16="http://schemas.microsoft.com/office/drawing/2014/main" xmlns="" id="{69B65482-22DB-43AF-9B21-19689A4A66B4}"/>
               </a:ext>
             </a:extLst>
           </p:cNvPr>
@@ -10333,7 +10451,7 @@
           <p:cNvPr id="5" name="Rechteck 4">
             <a:extLst>
               <a:ext uri="{FF2B5EF4-FFF2-40B4-BE49-F238E27FC236}">
-                <a16:creationId xmlns:a16="http://schemas.microsoft.com/office/drawing/2014/main" id="{9F64D8DC-3E52-417B-9565-0030696E5A7A}"/>
+                <a16:creationId xmlns:a16="http://schemas.microsoft.com/office/drawing/2014/main" xmlns="" id="{9F64D8DC-3E52-417B-9565-0030696E5A7A}"/>
               </a:ext>
             </a:extLst>
           </p:cNvPr>
@@ -10384,7 +10502,7 @@
           <p:cNvPr id="6" name="Rechteck 5">
             <a:extLst>
               <a:ext uri="{FF2B5EF4-FFF2-40B4-BE49-F238E27FC236}">
-                <a16:creationId xmlns:a16="http://schemas.microsoft.com/office/drawing/2014/main" id="{5B4F6223-BAA8-4F38-B4D6-1568AD858A10}"/>
+                <a16:creationId xmlns:a16="http://schemas.microsoft.com/office/drawing/2014/main" xmlns="" id="{5B4F6223-BAA8-4F38-B4D6-1568AD858A10}"/>
               </a:ext>
             </a:extLst>
           </p:cNvPr>
@@ -10434,7 +10552,7 @@
           <p:cNvPr id="7" name="Rechteck 6">
             <a:extLst>
               <a:ext uri="{FF2B5EF4-FFF2-40B4-BE49-F238E27FC236}">
-                <a16:creationId xmlns:a16="http://schemas.microsoft.com/office/drawing/2014/main" id="{1E77E768-34A1-4230-9260-8802BCABDECE}"/>
+                <a16:creationId xmlns:a16="http://schemas.microsoft.com/office/drawing/2014/main" xmlns="" id="{1E77E768-34A1-4230-9260-8802BCABDECE}"/>
               </a:ext>
             </a:extLst>
           </p:cNvPr>
@@ -10484,7 +10602,7 @@
           <p:cNvPr id="16" name="Ellipse 15">
             <a:extLst>
               <a:ext uri="{FF2B5EF4-FFF2-40B4-BE49-F238E27FC236}">
-                <a16:creationId xmlns:a16="http://schemas.microsoft.com/office/drawing/2014/main" id="{95CC5087-AEAF-4091-B073-4D8B48F1F1A9}"/>
+                <a16:creationId xmlns:a16="http://schemas.microsoft.com/office/drawing/2014/main" xmlns="" id="{95CC5087-AEAF-4091-B073-4D8B48F1F1A9}"/>
               </a:ext>
             </a:extLst>
           </p:cNvPr>
@@ -10531,7 +10649,7 @@
           <p:cNvPr id="17" name="Ellipse 16">
             <a:extLst>
               <a:ext uri="{FF2B5EF4-FFF2-40B4-BE49-F238E27FC236}">
-                <a16:creationId xmlns:a16="http://schemas.microsoft.com/office/drawing/2014/main" id="{F28FFAEF-0931-47E0-BB82-15FF4B390828}"/>
+                <a16:creationId xmlns:a16="http://schemas.microsoft.com/office/drawing/2014/main" xmlns="" id="{F28FFAEF-0931-47E0-BB82-15FF4B390828}"/>
               </a:ext>
             </a:extLst>
           </p:cNvPr>
@@ -10578,7 +10696,7 @@
           <p:cNvPr id="18" name="Ellipse 17">
             <a:extLst>
               <a:ext uri="{FF2B5EF4-FFF2-40B4-BE49-F238E27FC236}">
-                <a16:creationId xmlns:a16="http://schemas.microsoft.com/office/drawing/2014/main" id="{828BD7C3-9821-4F16-BA59-7821377F2178}"/>
+                <a16:creationId xmlns:a16="http://schemas.microsoft.com/office/drawing/2014/main" xmlns="" id="{828BD7C3-9821-4F16-BA59-7821377F2178}"/>
               </a:ext>
             </a:extLst>
           </p:cNvPr>
@@ -10625,7 +10743,7 @@
           <p:cNvPr id="19" name="Inhaltsplatzhalter 1">
             <a:extLst>
               <a:ext uri="{FF2B5EF4-FFF2-40B4-BE49-F238E27FC236}">
-                <a16:creationId xmlns:a16="http://schemas.microsoft.com/office/drawing/2014/main" id="{6F7EEE06-8301-49BA-8344-A5FE00C3432F}"/>
+                <a16:creationId xmlns:a16="http://schemas.microsoft.com/office/drawing/2014/main" xmlns="" id="{6F7EEE06-8301-49BA-8344-A5FE00C3432F}"/>
               </a:ext>
             </a:extLst>
           </p:cNvPr>
@@ -11113,6 +11231,13 @@
   <p:clrMapOvr>
     <a:masterClrMapping/>
   </p:clrMapOvr>
+  <p:timing>
+    <p:tnLst>
+      <p:par>
+        <p:cTn id="1" dur="indefinite" restart="never" nodeType="tmRoot"/>
+      </p:par>
+    </p:tnLst>
+  </p:timing>
 </p:sld>
 </file>
 
@@ -11138,7 +11263,7 @@
           <p:cNvPr id="2" name="Inhaltsplatzhalter 1">
             <a:extLst>
               <a:ext uri="{FF2B5EF4-FFF2-40B4-BE49-F238E27FC236}">
-                <a16:creationId xmlns:a16="http://schemas.microsoft.com/office/drawing/2014/main" id="{4CC657EC-7949-4C38-8935-098256C3E2F5}"/>
+                <a16:creationId xmlns:a16="http://schemas.microsoft.com/office/drawing/2014/main" xmlns="" id="{4CC657EC-7949-4C38-8935-098256C3E2F5}"/>
               </a:ext>
             </a:extLst>
           </p:cNvPr>
@@ -11204,7 +11329,7 @@
           <p:cNvPr id="3" name="Titel 2">
             <a:extLst>
               <a:ext uri="{FF2B5EF4-FFF2-40B4-BE49-F238E27FC236}">
-                <a16:creationId xmlns:a16="http://schemas.microsoft.com/office/drawing/2014/main" id="{73E98302-1D0A-4136-AB81-F26A62EA9A53}"/>
+                <a16:creationId xmlns:a16="http://schemas.microsoft.com/office/drawing/2014/main" xmlns="" id="{73E98302-1D0A-4136-AB81-F26A62EA9A53}"/>
               </a:ext>
             </a:extLst>
           </p:cNvPr>
@@ -11240,7 +11365,7 @@
           <p:cNvPr id="5" name="Grafik 4">
             <a:extLst>
               <a:ext uri="{FF2B5EF4-FFF2-40B4-BE49-F238E27FC236}">
-                <a16:creationId xmlns:a16="http://schemas.microsoft.com/office/drawing/2014/main" id="{E03A075B-FDDB-4BEC-9019-D32BB03DF9BB}"/>
+                <a16:creationId xmlns:a16="http://schemas.microsoft.com/office/drawing/2014/main" xmlns="" id="{E03A075B-FDDB-4BEC-9019-D32BB03DF9BB}"/>
               </a:ext>
             </a:extLst>
           </p:cNvPr>
@@ -11268,7 +11393,7 @@
           <p:cNvPr id="6" name="Rechteck 5">
             <a:extLst>
               <a:ext uri="{FF2B5EF4-FFF2-40B4-BE49-F238E27FC236}">
-                <a16:creationId xmlns:a16="http://schemas.microsoft.com/office/drawing/2014/main" id="{A2EAA8B2-15CE-40E3-B34C-D7F7E07F0AA8}"/>
+                <a16:creationId xmlns:a16="http://schemas.microsoft.com/office/drawing/2014/main" xmlns="" id="{A2EAA8B2-15CE-40E3-B34C-D7F7E07F0AA8}"/>
               </a:ext>
             </a:extLst>
           </p:cNvPr>
@@ -11319,7 +11444,7 @@
           <p:cNvPr id="7" name="Rechteck 6">
             <a:extLst>
               <a:ext uri="{FF2B5EF4-FFF2-40B4-BE49-F238E27FC236}">
-                <a16:creationId xmlns:a16="http://schemas.microsoft.com/office/drawing/2014/main" id="{7FA18C3D-A244-4C50-8C1A-A9659B64A31A}"/>
+                <a16:creationId xmlns:a16="http://schemas.microsoft.com/office/drawing/2014/main" xmlns="" id="{7FA18C3D-A244-4C50-8C1A-A9659B64A31A}"/>
               </a:ext>
             </a:extLst>
           </p:cNvPr>
@@ -11370,7 +11495,7 @@
           <p:cNvPr id="8" name="Rechteck 7">
             <a:extLst>
               <a:ext uri="{FF2B5EF4-FFF2-40B4-BE49-F238E27FC236}">
-                <a16:creationId xmlns:a16="http://schemas.microsoft.com/office/drawing/2014/main" id="{6F2B6DF4-5BA9-43E3-BC40-CD605CB92854}"/>
+                <a16:creationId xmlns:a16="http://schemas.microsoft.com/office/drawing/2014/main" xmlns="" id="{6F2B6DF4-5BA9-43E3-BC40-CD605CB92854}"/>
               </a:ext>
             </a:extLst>
           </p:cNvPr>
@@ -11421,7 +11546,7 @@
           <p:cNvPr id="9" name="Ellipse 8">
             <a:extLst>
               <a:ext uri="{FF2B5EF4-FFF2-40B4-BE49-F238E27FC236}">
-                <a16:creationId xmlns:a16="http://schemas.microsoft.com/office/drawing/2014/main" id="{FAE319C9-101E-45B9-8290-A50E963BE1AB}"/>
+                <a16:creationId xmlns:a16="http://schemas.microsoft.com/office/drawing/2014/main" xmlns="" id="{FAE319C9-101E-45B9-8290-A50E963BE1AB}"/>
               </a:ext>
             </a:extLst>
           </p:cNvPr>
@@ -11468,7 +11593,7 @@
           <p:cNvPr id="10" name="Ellipse 9">
             <a:extLst>
               <a:ext uri="{FF2B5EF4-FFF2-40B4-BE49-F238E27FC236}">
-                <a16:creationId xmlns:a16="http://schemas.microsoft.com/office/drawing/2014/main" id="{BAD16030-3C16-4497-887C-9DA42A55EE36}"/>
+                <a16:creationId xmlns:a16="http://schemas.microsoft.com/office/drawing/2014/main" xmlns="" id="{BAD16030-3C16-4497-887C-9DA42A55EE36}"/>
               </a:ext>
             </a:extLst>
           </p:cNvPr>
@@ -11515,7 +11640,7 @@
           <p:cNvPr id="11" name="Ellipse 10">
             <a:extLst>
               <a:ext uri="{FF2B5EF4-FFF2-40B4-BE49-F238E27FC236}">
-                <a16:creationId xmlns:a16="http://schemas.microsoft.com/office/drawing/2014/main" id="{EE063CD3-93A0-45DA-ACA0-588B0E825C1A}"/>
+                <a16:creationId xmlns:a16="http://schemas.microsoft.com/office/drawing/2014/main" xmlns="" id="{EE063CD3-93A0-45DA-ACA0-588B0E825C1A}"/>
               </a:ext>
             </a:extLst>
           </p:cNvPr>
@@ -11994,6 +12119,13 @@
   <p:clrMapOvr>
     <a:masterClrMapping/>
   </p:clrMapOvr>
+  <p:timing>
+    <p:tnLst>
+      <p:par>
+        <p:cTn id="1" dur="indefinite" restart="never" nodeType="tmRoot"/>
+      </p:par>
+    </p:tnLst>
+  </p:timing>
 </p:sld>
 </file>
 
@@ -12019,7 +12151,7 @@
           <p:cNvPr id="3" name="Titel 2">
             <a:extLst>
               <a:ext uri="{FF2B5EF4-FFF2-40B4-BE49-F238E27FC236}">
-                <a16:creationId xmlns:a16="http://schemas.microsoft.com/office/drawing/2014/main" id="{FF39403A-6A50-4EA6-9BDE-37AF971C94EB}"/>
+                <a16:creationId xmlns:a16="http://schemas.microsoft.com/office/drawing/2014/main" xmlns="" id="{FF39403A-6A50-4EA6-9BDE-37AF971C94EB}"/>
               </a:ext>
             </a:extLst>
           </p:cNvPr>
@@ -12051,7 +12183,7 @@
           <p:cNvPr id="4" name="Grafik 3">
             <a:extLst>
               <a:ext uri="{FF2B5EF4-FFF2-40B4-BE49-F238E27FC236}">
-                <a16:creationId xmlns:a16="http://schemas.microsoft.com/office/drawing/2014/main" id="{AC6DC36B-AB29-4426-9130-5597EEA07007}"/>
+                <a16:creationId xmlns:a16="http://schemas.microsoft.com/office/drawing/2014/main" xmlns="" id="{AC6DC36B-AB29-4426-9130-5597EEA07007}"/>
               </a:ext>
             </a:extLst>
           </p:cNvPr>
@@ -12088,7 +12220,7 @@
           <p:cNvPr id="5" name="Rechteck 4">
             <a:extLst>
               <a:ext uri="{FF2B5EF4-FFF2-40B4-BE49-F238E27FC236}">
-                <a16:creationId xmlns:a16="http://schemas.microsoft.com/office/drawing/2014/main" id="{42A2EBFC-CD9D-4755-95D0-DC995E8A78B3}"/>
+                <a16:creationId xmlns:a16="http://schemas.microsoft.com/office/drawing/2014/main" xmlns="" id="{42A2EBFC-CD9D-4755-95D0-DC995E8A78B3}"/>
               </a:ext>
             </a:extLst>
           </p:cNvPr>
@@ -12139,7 +12271,7 @@
           <p:cNvPr id="6" name="Rechteck 5">
             <a:extLst>
               <a:ext uri="{FF2B5EF4-FFF2-40B4-BE49-F238E27FC236}">
-                <a16:creationId xmlns:a16="http://schemas.microsoft.com/office/drawing/2014/main" id="{DEBF2CC7-DB2B-46EB-B1D8-40D5B40D7E9F}"/>
+                <a16:creationId xmlns:a16="http://schemas.microsoft.com/office/drawing/2014/main" xmlns="" id="{DEBF2CC7-DB2B-46EB-B1D8-40D5B40D7E9F}"/>
               </a:ext>
             </a:extLst>
           </p:cNvPr>
@@ -12190,7 +12322,7 @@
           <p:cNvPr id="7" name="Rechteck 6">
             <a:extLst>
               <a:ext uri="{FF2B5EF4-FFF2-40B4-BE49-F238E27FC236}">
-                <a16:creationId xmlns:a16="http://schemas.microsoft.com/office/drawing/2014/main" id="{47F45E7D-0468-4CB2-AE28-19AF265588CE}"/>
+                <a16:creationId xmlns:a16="http://schemas.microsoft.com/office/drawing/2014/main" xmlns="" id="{47F45E7D-0468-4CB2-AE28-19AF265588CE}"/>
               </a:ext>
             </a:extLst>
           </p:cNvPr>
@@ -12241,7 +12373,7 @@
           <p:cNvPr id="8" name="Inhaltsplatzhalter 1">
             <a:extLst>
               <a:ext uri="{FF2B5EF4-FFF2-40B4-BE49-F238E27FC236}">
-                <a16:creationId xmlns:a16="http://schemas.microsoft.com/office/drawing/2014/main" id="{79BD0A36-4E72-4E11-8DF7-012B8F1959D2}"/>
+                <a16:creationId xmlns:a16="http://schemas.microsoft.com/office/drawing/2014/main" xmlns="" id="{79BD0A36-4E72-4E11-8DF7-012B8F1959D2}"/>
               </a:ext>
             </a:extLst>
           </p:cNvPr>
@@ -12327,7 +12459,7 @@
           <p:cNvPr id="9" name="Ellipse 8">
             <a:extLst>
               <a:ext uri="{FF2B5EF4-FFF2-40B4-BE49-F238E27FC236}">
-                <a16:creationId xmlns:a16="http://schemas.microsoft.com/office/drawing/2014/main" id="{AD8D5F7D-36E4-4439-A604-293EEB7D05A9}"/>
+                <a16:creationId xmlns:a16="http://schemas.microsoft.com/office/drawing/2014/main" xmlns="" id="{AD8D5F7D-36E4-4439-A604-293EEB7D05A9}"/>
               </a:ext>
             </a:extLst>
           </p:cNvPr>
@@ -12374,7 +12506,7 @@
           <p:cNvPr id="10" name="Ellipse 9">
             <a:extLst>
               <a:ext uri="{FF2B5EF4-FFF2-40B4-BE49-F238E27FC236}">
-                <a16:creationId xmlns:a16="http://schemas.microsoft.com/office/drawing/2014/main" id="{715D1D50-0941-4B04-837A-3DEBAA648FA0}"/>
+                <a16:creationId xmlns:a16="http://schemas.microsoft.com/office/drawing/2014/main" xmlns="" id="{715D1D50-0941-4B04-837A-3DEBAA648FA0}"/>
               </a:ext>
             </a:extLst>
           </p:cNvPr>
@@ -12421,7 +12553,7 @@
           <p:cNvPr id="11" name="Ellipse 10">
             <a:extLst>
               <a:ext uri="{FF2B5EF4-FFF2-40B4-BE49-F238E27FC236}">
-                <a16:creationId xmlns:a16="http://schemas.microsoft.com/office/drawing/2014/main" id="{05AAD21E-77B9-4D0A-B225-D1D899C4E32C}"/>
+                <a16:creationId xmlns:a16="http://schemas.microsoft.com/office/drawing/2014/main" xmlns="" id="{05AAD21E-77B9-4D0A-B225-D1D899C4E32C}"/>
               </a:ext>
             </a:extLst>
           </p:cNvPr>
@@ -12668,7 +12800,7 @@
           <p:cNvPr id="2" name="Titel 1">
             <a:extLst>
               <a:ext uri="{FF2B5EF4-FFF2-40B4-BE49-F238E27FC236}">
-                <a16:creationId xmlns:a16="http://schemas.microsoft.com/office/drawing/2014/main" id="{15D9620E-C7BF-4565-BF11-2CFC8EB28BC8}"/>
+                <a16:creationId xmlns:a16="http://schemas.microsoft.com/office/drawing/2014/main" xmlns="" id="{15D9620E-C7BF-4565-BF11-2CFC8EB28BC8}"/>
               </a:ext>
             </a:extLst>
           </p:cNvPr>
@@ -12696,7 +12828,7 @@
           <p:cNvPr id="3" name="Untertitel 2">
             <a:extLst>
               <a:ext uri="{FF2B5EF4-FFF2-40B4-BE49-F238E27FC236}">
-                <a16:creationId xmlns:a16="http://schemas.microsoft.com/office/drawing/2014/main" id="{B72C5BF3-5F31-4CB8-8BD8-938644028E5D}"/>
+                <a16:creationId xmlns:a16="http://schemas.microsoft.com/office/drawing/2014/main" xmlns="" id="{B72C5BF3-5F31-4CB8-8BD8-938644028E5D}"/>
               </a:ext>
             </a:extLst>
           </p:cNvPr>
@@ -12757,6 +12889,13 @@
   <p:clrMapOvr>
     <a:masterClrMapping/>
   </p:clrMapOvr>
+  <p:timing>
+    <p:tnLst>
+      <p:par>
+        <p:cTn id="1" dur="indefinite" restart="never" nodeType="tmRoot"/>
+      </p:par>
+    </p:tnLst>
+  </p:timing>
 </p:sld>
 </file>
 
@@ -12782,7 +12921,7 @@
           <p:cNvPr id="3" name="Titel 2">
             <a:extLst>
               <a:ext uri="{FF2B5EF4-FFF2-40B4-BE49-F238E27FC236}">
-                <a16:creationId xmlns:a16="http://schemas.microsoft.com/office/drawing/2014/main" id="{A1BB2C0B-FD44-45F3-A1BA-A1E0E5E9EFC8}"/>
+                <a16:creationId xmlns:a16="http://schemas.microsoft.com/office/drawing/2014/main" xmlns="" id="{A1BB2C0B-FD44-45F3-A1BA-A1E0E5E9EFC8}"/>
               </a:ext>
             </a:extLst>
           </p:cNvPr>
@@ -12810,7 +12949,7 @@
           <p:cNvPr id="4" name="Inhaltsplatzhalter 1">
             <a:extLst>
               <a:ext uri="{FF2B5EF4-FFF2-40B4-BE49-F238E27FC236}">
-                <a16:creationId xmlns:a16="http://schemas.microsoft.com/office/drawing/2014/main" id="{5B20EF2A-A02E-4A15-812F-E0177C9728EB}"/>
+                <a16:creationId xmlns:a16="http://schemas.microsoft.com/office/drawing/2014/main" xmlns="" id="{5B20EF2A-A02E-4A15-812F-E0177C9728EB}"/>
               </a:ext>
             </a:extLst>
           </p:cNvPr>
@@ -12866,6 +13005,13 @@
   <p:clrMapOvr>
     <a:masterClrMapping/>
   </p:clrMapOvr>
+  <p:timing>
+    <p:tnLst>
+      <p:par>
+        <p:cTn id="1" dur="indefinite" restart="never" nodeType="tmRoot"/>
+      </p:par>
+    </p:tnLst>
+  </p:timing>
 </p:sld>
 </file>
 
@@ -12891,7 +13037,7 @@
           <p:cNvPr id="3" name="Titel 2">
             <a:extLst>
               <a:ext uri="{FF2B5EF4-FFF2-40B4-BE49-F238E27FC236}">
-                <a16:creationId xmlns:a16="http://schemas.microsoft.com/office/drawing/2014/main" id="{A1BB2C0B-FD44-45F3-A1BA-A1E0E5E9EFC8}"/>
+                <a16:creationId xmlns:a16="http://schemas.microsoft.com/office/drawing/2014/main" xmlns="" id="{A1BB2C0B-FD44-45F3-A1BA-A1E0E5E9EFC8}"/>
               </a:ext>
             </a:extLst>
           </p:cNvPr>
@@ -12919,7 +13065,7 @@
           <p:cNvPr id="4" name="Inhaltsplatzhalter 1">
             <a:extLst>
               <a:ext uri="{FF2B5EF4-FFF2-40B4-BE49-F238E27FC236}">
-                <a16:creationId xmlns:a16="http://schemas.microsoft.com/office/drawing/2014/main" id="{5B20EF2A-A02E-4A15-812F-E0177C9728EB}"/>
+                <a16:creationId xmlns:a16="http://schemas.microsoft.com/office/drawing/2014/main" xmlns="" id="{5B20EF2A-A02E-4A15-812F-E0177C9728EB}"/>
               </a:ext>
             </a:extLst>
           </p:cNvPr>
@@ -13040,6 +13186,13 @@
   <p:clrMapOvr>
     <a:masterClrMapping/>
   </p:clrMapOvr>
+  <p:timing>
+    <p:tnLst>
+      <p:par>
+        <p:cTn id="1" dur="indefinite" restart="never" nodeType="tmRoot"/>
+      </p:par>
+    </p:tnLst>
+  </p:timing>
 </p:sld>
 </file>
 
@@ -13065,7 +13218,7 @@
           <p:cNvPr id="3" name="Titel 2">
             <a:extLst>
               <a:ext uri="{FF2B5EF4-FFF2-40B4-BE49-F238E27FC236}">
-                <a16:creationId xmlns:a16="http://schemas.microsoft.com/office/drawing/2014/main" id="{A1BB2C0B-FD44-45F3-A1BA-A1E0E5E9EFC8}"/>
+                <a16:creationId xmlns:a16="http://schemas.microsoft.com/office/drawing/2014/main" xmlns="" id="{A1BB2C0B-FD44-45F3-A1BA-A1E0E5E9EFC8}"/>
               </a:ext>
             </a:extLst>
           </p:cNvPr>
@@ -13097,7 +13250,7 @@
           <p:cNvPr id="4" name="Inhaltsplatzhalter 1">
             <a:extLst>
               <a:ext uri="{FF2B5EF4-FFF2-40B4-BE49-F238E27FC236}">
-                <a16:creationId xmlns:a16="http://schemas.microsoft.com/office/drawing/2014/main" id="{5B20EF2A-A02E-4A15-812F-E0177C9728EB}"/>
+                <a16:creationId xmlns:a16="http://schemas.microsoft.com/office/drawing/2014/main" xmlns="" id="{5B20EF2A-A02E-4A15-812F-E0177C9728EB}"/>
               </a:ext>
             </a:extLst>
           </p:cNvPr>
@@ -13161,6 +13314,13 @@
   <p:clrMapOvr>
     <a:masterClrMapping/>
   </p:clrMapOvr>
+  <p:timing>
+    <p:tnLst>
+      <p:par>
+        <p:cTn id="1" dur="indefinite" restart="never" nodeType="tmRoot"/>
+      </p:par>
+    </p:tnLst>
+  </p:timing>
 </p:sld>
 </file>
 
@@ -13186,7 +13346,7 @@
           <p:cNvPr id="13" name="Grafik 12">
             <a:extLst>
               <a:ext uri="{FF2B5EF4-FFF2-40B4-BE49-F238E27FC236}">
-                <a16:creationId xmlns:a16="http://schemas.microsoft.com/office/drawing/2014/main" id="{6EF3C421-221B-4F42-8AD6-63E9FF2AD151}"/>
+                <a16:creationId xmlns:a16="http://schemas.microsoft.com/office/drawing/2014/main" xmlns="" id="{6EF3C421-221B-4F42-8AD6-63E9FF2AD151}"/>
               </a:ext>
             </a:extLst>
           </p:cNvPr>
@@ -13215,7 +13375,7 @@
           <p:cNvPr id="10" name="Titel 1">
             <a:extLst>
               <a:ext uri="{FF2B5EF4-FFF2-40B4-BE49-F238E27FC236}">
-                <a16:creationId xmlns:a16="http://schemas.microsoft.com/office/drawing/2014/main" id="{B70EFBCC-DB23-49EA-8BE3-C6992669D884}"/>
+                <a16:creationId xmlns:a16="http://schemas.microsoft.com/office/drawing/2014/main" xmlns="" id="{B70EFBCC-DB23-49EA-8BE3-C6992669D884}"/>
               </a:ext>
             </a:extLst>
           </p:cNvPr>
@@ -13248,7 +13408,7 @@
           <p:cNvPr id="11" name="Untertitel 2">
             <a:extLst>
               <a:ext uri="{FF2B5EF4-FFF2-40B4-BE49-F238E27FC236}">
-                <a16:creationId xmlns:a16="http://schemas.microsoft.com/office/drawing/2014/main" id="{2B90D937-9CC2-415E-8B1D-D07BB3D9D099}"/>
+                <a16:creationId xmlns:a16="http://schemas.microsoft.com/office/drawing/2014/main" xmlns="" id="{2B90D937-9CC2-415E-8B1D-D07BB3D9D099}"/>
               </a:ext>
             </a:extLst>
           </p:cNvPr>
@@ -13290,6 +13450,13 @@
   <p:clrMapOvr>
     <a:masterClrMapping/>
   </p:clrMapOvr>
+  <p:timing>
+    <p:tnLst>
+      <p:par>
+        <p:cTn id="1" dur="indefinite" restart="never" nodeType="tmRoot"/>
+      </p:par>
+    </p:tnLst>
+  </p:timing>
 </p:sld>
 </file>
 
@@ -13542,6 +13709,13 @@
   <p:clrMapOvr>
     <a:masterClrMapping/>
   </p:clrMapOvr>
+  <p:timing>
+    <p:tnLst>
+      <p:par>
+        <p:cTn id="1" dur="indefinite" restart="never" nodeType="tmRoot"/>
+      </p:par>
+    </p:tnLst>
+  </p:timing>
 </p:sld>
 </file>
 
@@ -13567,7 +13741,7 @@
           <p:cNvPr id="2" name="Inhaltsplatzhalter 1">
             <a:extLst>
               <a:ext uri="{FF2B5EF4-FFF2-40B4-BE49-F238E27FC236}">
-                <a16:creationId xmlns:a16="http://schemas.microsoft.com/office/drawing/2014/main" id="{19572D01-E7C4-4B81-9FCD-595177684BEA}"/>
+                <a16:creationId xmlns:a16="http://schemas.microsoft.com/office/drawing/2014/main" xmlns="" id="{19572D01-E7C4-4B81-9FCD-595177684BEA}"/>
               </a:ext>
             </a:extLst>
           </p:cNvPr>
@@ -13585,19 +13759,27 @@
           <a:p>
             <a:r>
               <a:rPr lang="de-CH" dirty="0"/>
-              <a:t>Titelbild: https://image.jimcdn.com/app/cms/image/transf/dimension=697x10000:format=jpg/path/sd47613ceb1db53f4/image/ib674891e8fb5286a/version/1515513892/patientenzimmer-untersuchungszimmer-praxis-hausarzt-friedeck-rothenburg.jpg</a:t>
-            </a:r>
-          </a:p>
-          <a:p>
+              <a:t>Titelbild: </a:t>
+            </a:r>
+            <a:r>
+              <a:rPr lang="de-CH" dirty="0" smtClean="0"/>
+              <a:t>https://image.jimcdn.com/app/cms/image/transf/dimension=697x10000:format=jpg/path/sd47613ceb1db53f4/image/ib674891e8fb5286a/version/1515513892/patientenzimmer-untersuchungszimmer-praxis-hausarzt-friedeck-rothenburg.jpg</a:t>
+            </a:r>
+          </a:p>
+          <a:p>
+            <a:r>
+              <a:rPr lang="de-CH" dirty="0" smtClean="0"/>
+              <a:t>Persona 1: https://recrutio.de/wp-content/uploads/2019/03/Bewerbungsschreiben-Arzt.jpg</a:t>
+            </a:r>
+          </a:p>
+          <a:p>
+            <a:r>
+              <a:rPr lang="de-CH" dirty="0" smtClean="0"/>
+              <a:t>Persona </a:t>
+            </a:r>
             <a:r>
               <a:rPr lang="de-CH" dirty="0"/>
-              <a:t>Persona 1: https://recrutio.de/wp-content/uploads/2019/03/Bewerbungsschreiben-Arzt.jpg</a:t>
-            </a:r>
-          </a:p>
-          <a:p>
-            <a:r>
-              <a:rPr lang="de-CH" dirty="0"/>
-              <a:t>Persona 2: https://mpa-community.ch/wp-content/uploads/ueberzeugung.jpg</a:t>
+              <a:t>2: https://mpa-community.ch/wp-content/uploads/ueberzeugung.jpg</a:t>
             </a:r>
           </a:p>
           <a:p>
@@ -13616,7 +13798,7 @@
           <p:cNvPr id="3" name="Titel 2">
             <a:extLst>
               <a:ext uri="{FF2B5EF4-FFF2-40B4-BE49-F238E27FC236}">
-                <a16:creationId xmlns:a16="http://schemas.microsoft.com/office/drawing/2014/main" id="{93DE674A-067F-4DB4-9443-098DF8E86245}"/>
+                <a16:creationId xmlns:a16="http://schemas.microsoft.com/office/drawing/2014/main" xmlns="" id="{93DE674A-067F-4DB4-9443-098DF8E86245}"/>
               </a:ext>
             </a:extLst>
           </p:cNvPr>
@@ -13649,6 +13831,13 @@
   <p:clrMapOvr>
     <a:masterClrMapping/>
   </p:clrMapOvr>
+  <p:timing>
+    <p:tnLst>
+      <p:par>
+        <p:cTn id="1" dur="indefinite" restart="never" nodeType="tmRoot"/>
+      </p:par>
+    </p:tnLst>
+  </p:timing>
 </p:sld>
 </file>
 
@@ -13947,7 +14136,7 @@
           <p:cNvPr id="3" name="Grafik 2">
             <a:extLst>
               <a:ext uri="{FF2B5EF4-FFF2-40B4-BE49-F238E27FC236}">
-                <a16:creationId xmlns:a16="http://schemas.microsoft.com/office/drawing/2014/main" id="{41C09E35-2A4B-44DA-B8C1-F01DD2F469BB}"/>
+                <a16:creationId xmlns:a16="http://schemas.microsoft.com/office/drawing/2014/main" xmlns="" id="{41C09E35-2A4B-44DA-B8C1-F01DD2F469BB}"/>
               </a:ext>
             </a:extLst>
           </p:cNvPr>
@@ -13976,7 +14165,7 @@
           <p:cNvPr id="4" name="Rechteck 3">
             <a:extLst>
               <a:ext uri="{FF2B5EF4-FFF2-40B4-BE49-F238E27FC236}">
-                <a16:creationId xmlns:a16="http://schemas.microsoft.com/office/drawing/2014/main" id="{BCF1E6B9-F063-4879-9854-96B81A7B47A8}"/>
+                <a16:creationId xmlns:a16="http://schemas.microsoft.com/office/drawing/2014/main" xmlns="" id="{BCF1E6B9-F063-4879-9854-96B81A7B47A8}"/>
               </a:ext>
             </a:extLst>
           </p:cNvPr>
@@ -14036,6 +14225,13 @@
   <p:clrMapOvr>
     <a:masterClrMapping/>
   </p:clrMapOvr>
+  <p:timing>
+    <p:tnLst>
+      <p:par>
+        <p:cTn id="1" dur="indefinite" restart="never" nodeType="tmRoot"/>
+      </p:par>
+    </p:tnLst>
+  </p:timing>
 </p:sld>
 </file>
 
@@ -14334,7 +14530,7 @@
           <p:cNvPr id="4" name="Rechteck 3">
             <a:extLst>
               <a:ext uri="{FF2B5EF4-FFF2-40B4-BE49-F238E27FC236}">
-                <a16:creationId xmlns:a16="http://schemas.microsoft.com/office/drawing/2014/main" id="{BCF1E6B9-F063-4879-9854-96B81A7B47A8}"/>
+                <a16:creationId xmlns:a16="http://schemas.microsoft.com/office/drawing/2014/main" xmlns="" id="{BCF1E6B9-F063-4879-9854-96B81A7B47A8}"/>
               </a:ext>
             </a:extLst>
           </p:cNvPr>
@@ -14385,7 +14581,7 @@
           <p:cNvPr id="9" name="Grafik 8">
             <a:extLst>
               <a:ext uri="{FF2B5EF4-FFF2-40B4-BE49-F238E27FC236}">
-                <a16:creationId xmlns:a16="http://schemas.microsoft.com/office/drawing/2014/main" id="{F200B087-D5FF-4DCA-AE8E-992F7C958B8B}"/>
+                <a16:creationId xmlns:a16="http://schemas.microsoft.com/office/drawing/2014/main" xmlns="" id="{F200B087-D5FF-4DCA-AE8E-992F7C958B8B}"/>
               </a:ext>
             </a:extLst>
           </p:cNvPr>
@@ -14419,6 +14615,13 @@
   <p:clrMapOvr>
     <a:masterClrMapping/>
   </p:clrMapOvr>
+  <p:timing>
+    <p:tnLst>
+      <p:par>
+        <p:cTn id="1" dur="indefinite" restart="never" nodeType="tmRoot"/>
+      </p:par>
+    </p:tnLst>
+  </p:timing>
 </p:sld>
 </file>
 
@@ -14675,6 +14878,13 @@
   <p:clrMapOvr>
     <a:masterClrMapping/>
   </p:clrMapOvr>
+  <p:timing>
+    <p:tnLst>
+      <p:par>
+        <p:cTn id="1" dur="indefinite" restart="never" nodeType="tmRoot"/>
+      </p:par>
+    </p:tnLst>
+  </p:timing>
 </p:sld>
 </file>
 
@@ -14871,7 +15081,7 @@
           <p:cNvPr id="8" name="Inhaltsplatzhalter 7">
             <a:extLst>
               <a:ext uri="{FF2B5EF4-FFF2-40B4-BE49-F238E27FC236}">
-                <a16:creationId xmlns:a16="http://schemas.microsoft.com/office/drawing/2014/main" id="{3D88948C-9548-4FD9-800C-76E0A31FC96F}"/>
+                <a16:creationId xmlns:a16="http://schemas.microsoft.com/office/drawing/2014/main" xmlns="" id="{3D88948C-9548-4FD9-800C-76E0A31FC96F}"/>
               </a:ext>
             </a:extLst>
           </p:cNvPr>
@@ -14902,7 +15112,7 @@
           <p:cNvPr id="16" name="Inhaltsplatzhalter 15">
             <a:extLst>
               <a:ext uri="{FF2B5EF4-FFF2-40B4-BE49-F238E27FC236}">
-                <a16:creationId xmlns:a16="http://schemas.microsoft.com/office/drawing/2014/main" id="{0410DE50-9674-435D-8F1A-F251F44004E0}"/>
+                <a16:creationId xmlns:a16="http://schemas.microsoft.com/office/drawing/2014/main" xmlns="" id="{0410DE50-9674-435D-8F1A-F251F44004E0}"/>
               </a:ext>
             </a:extLst>
           </p:cNvPr>
@@ -14933,7 +15143,7 @@
           <p:cNvPr id="12" name="Grafik 11">
             <a:extLst>
               <a:ext uri="{FF2B5EF4-FFF2-40B4-BE49-F238E27FC236}">
-                <a16:creationId xmlns:a16="http://schemas.microsoft.com/office/drawing/2014/main" id="{77614A8A-CE7A-458A-A607-0D8736DC8602}"/>
+                <a16:creationId xmlns:a16="http://schemas.microsoft.com/office/drawing/2014/main" xmlns="" id="{77614A8A-CE7A-458A-A607-0D8736DC8602}"/>
               </a:ext>
             </a:extLst>
           </p:cNvPr>
@@ -14975,7 +15185,7 @@
           <p:cNvPr id="13" name="Grafik 12">
             <a:extLst>
               <a:ext uri="{FF2B5EF4-FFF2-40B4-BE49-F238E27FC236}">
-                <a16:creationId xmlns:a16="http://schemas.microsoft.com/office/drawing/2014/main" id="{D56422BD-4F62-4CFF-A764-6F0782AD3F2B}"/>
+                <a16:creationId xmlns:a16="http://schemas.microsoft.com/office/drawing/2014/main" xmlns="" id="{D56422BD-4F62-4CFF-A764-6F0782AD3F2B}"/>
               </a:ext>
             </a:extLst>
           </p:cNvPr>
@@ -15022,6 +15232,13 @@
   <p:clrMapOvr>
     <a:masterClrMapping/>
   </p:clrMapOvr>
+  <p:timing>
+    <p:tnLst>
+      <p:par>
+        <p:cTn id="1" dur="indefinite" restart="never" nodeType="tmRoot"/>
+      </p:par>
+    </p:tnLst>
+  </p:timing>
 </p:sld>
 </file>
 
@@ -15218,7 +15435,7 @@
           <p:cNvPr id="8" name="Inhaltsplatzhalter 7">
             <a:extLst>
               <a:ext uri="{FF2B5EF4-FFF2-40B4-BE49-F238E27FC236}">
-                <a16:creationId xmlns:a16="http://schemas.microsoft.com/office/drawing/2014/main" id="{3D88948C-9548-4FD9-800C-76E0A31FC96F}"/>
+                <a16:creationId xmlns:a16="http://schemas.microsoft.com/office/drawing/2014/main" xmlns="" id="{3D88948C-9548-4FD9-800C-76E0A31FC96F}"/>
               </a:ext>
             </a:extLst>
           </p:cNvPr>
@@ -15249,7 +15466,7 @@
           <p:cNvPr id="16" name="Inhaltsplatzhalter 15">
             <a:extLst>
               <a:ext uri="{FF2B5EF4-FFF2-40B4-BE49-F238E27FC236}">
-                <a16:creationId xmlns:a16="http://schemas.microsoft.com/office/drawing/2014/main" id="{0410DE50-9674-435D-8F1A-F251F44004E0}"/>
+                <a16:creationId xmlns:a16="http://schemas.microsoft.com/office/drawing/2014/main" xmlns="" id="{0410DE50-9674-435D-8F1A-F251F44004E0}"/>
               </a:ext>
             </a:extLst>
           </p:cNvPr>
@@ -15280,7 +15497,7 @@
           <p:cNvPr id="20" name="Grafik 19">
             <a:extLst>
               <a:ext uri="{FF2B5EF4-FFF2-40B4-BE49-F238E27FC236}">
-                <a16:creationId xmlns:a16="http://schemas.microsoft.com/office/drawing/2014/main" id="{E046AD63-177E-401E-8F2D-C88ADECD41F5}"/>
+                <a16:creationId xmlns:a16="http://schemas.microsoft.com/office/drawing/2014/main" xmlns="" id="{E046AD63-177E-401E-8F2D-C88ADECD41F5}"/>
               </a:ext>
             </a:extLst>
           </p:cNvPr>
@@ -15322,7 +15539,7 @@
           <p:cNvPr id="21" name="Grafik 20">
             <a:extLst>
               <a:ext uri="{FF2B5EF4-FFF2-40B4-BE49-F238E27FC236}">
-                <a16:creationId xmlns:a16="http://schemas.microsoft.com/office/drawing/2014/main" id="{4C5E2244-6CB0-42F3-B98E-692C108C71FE}"/>
+                <a16:creationId xmlns:a16="http://schemas.microsoft.com/office/drawing/2014/main" xmlns="" id="{4C5E2244-6CB0-42F3-B98E-692C108C71FE}"/>
               </a:ext>
             </a:extLst>
           </p:cNvPr>
@@ -15369,6 +15586,13 @@
   <p:clrMapOvr>
     <a:masterClrMapping/>
   </p:clrMapOvr>
+  <p:timing>
+    <p:tnLst>
+      <p:par>
+        <p:cTn id="1" dur="indefinite" restart="never" nodeType="tmRoot"/>
+      </p:par>
+    </p:tnLst>
+  </p:timing>
 </p:sld>
 </file>
 
@@ -15565,7 +15789,7 @@
           <p:cNvPr id="8" name="Inhaltsplatzhalter 7">
             <a:extLst>
               <a:ext uri="{FF2B5EF4-FFF2-40B4-BE49-F238E27FC236}">
-                <a16:creationId xmlns:a16="http://schemas.microsoft.com/office/drawing/2014/main" id="{3D88948C-9548-4FD9-800C-76E0A31FC96F}"/>
+                <a16:creationId xmlns:a16="http://schemas.microsoft.com/office/drawing/2014/main" xmlns="" id="{3D88948C-9548-4FD9-800C-76E0A31FC96F}"/>
               </a:ext>
             </a:extLst>
           </p:cNvPr>
@@ -15596,7 +15820,7 @@
           <p:cNvPr id="16" name="Inhaltsplatzhalter 15">
             <a:extLst>
               <a:ext uri="{FF2B5EF4-FFF2-40B4-BE49-F238E27FC236}">
-                <a16:creationId xmlns:a16="http://schemas.microsoft.com/office/drawing/2014/main" id="{0410DE50-9674-435D-8F1A-F251F44004E0}"/>
+                <a16:creationId xmlns:a16="http://schemas.microsoft.com/office/drawing/2014/main" xmlns="" id="{0410DE50-9674-435D-8F1A-F251F44004E0}"/>
               </a:ext>
             </a:extLst>
           </p:cNvPr>
@@ -15627,7 +15851,7 @@
           <p:cNvPr id="7" name="Grafik 6">
             <a:extLst>
               <a:ext uri="{FF2B5EF4-FFF2-40B4-BE49-F238E27FC236}">
-                <a16:creationId xmlns:a16="http://schemas.microsoft.com/office/drawing/2014/main" id="{14A787B3-1587-415D-B13C-B5277C1DE8CB}"/>
+                <a16:creationId xmlns:a16="http://schemas.microsoft.com/office/drawing/2014/main" xmlns="" id="{14A787B3-1587-415D-B13C-B5277C1DE8CB}"/>
               </a:ext>
             </a:extLst>
           </p:cNvPr>
@@ -15669,7 +15893,7 @@
           <p:cNvPr id="9" name="Grafik 8">
             <a:extLst>
               <a:ext uri="{FF2B5EF4-FFF2-40B4-BE49-F238E27FC236}">
-                <a16:creationId xmlns:a16="http://schemas.microsoft.com/office/drawing/2014/main" id="{BB09FBF3-E1B3-4B40-961E-E75DD02F1AE9}"/>
+                <a16:creationId xmlns:a16="http://schemas.microsoft.com/office/drawing/2014/main" xmlns="" id="{BB09FBF3-E1B3-4B40-961E-E75DD02F1AE9}"/>
               </a:ext>
             </a:extLst>
           </p:cNvPr>
@@ -15704,6 +15928,13 @@
   <p:clrMapOvr>
     <a:masterClrMapping/>
   </p:clrMapOvr>
+  <p:timing>
+    <p:tnLst>
+      <p:par>
+        <p:cTn id="1" dur="indefinite" restart="never" nodeType="tmRoot"/>
+      </p:par>
+    </p:tnLst>
+  </p:timing>
 </p:sld>
 </file>
 
@@ -16318,18 +16549,18 @@
 </file>
 
 <file path=customXml/item1.xml><?xml version="1.0" encoding="utf-8"?>
+<p:properties xmlns:p="http://schemas.microsoft.com/office/2006/metadata/properties" xmlns:xsi="http://www.w3.org/2001/XMLSchema-instance" xmlns:pc="http://schemas.microsoft.com/office/infopath/2007/PartnerControls">
+  <documentManagement/>
+</p:properties>
+</file>
+
+<file path=customXml/item2.xml><?xml version="1.0" encoding="utf-8"?>
 <?mso-contentType ?>
 <FormTemplates xmlns="http://schemas.microsoft.com/sharepoint/v3/contenttype/forms">
   <Display>DocumentLibraryForm</Display>
   <Edit>DocumentLibraryForm</Edit>
   <New>DocumentLibraryForm</New>
 </FormTemplates>
-</file>
-
-<file path=customXml/item2.xml><?xml version="1.0" encoding="utf-8"?>
-<p:properties xmlns:p="http://schemas.microsoft.com/office/2006/metadata/properties" xmlns:xsi="http://www.w3.org/2001/XMLSchema-instance" xmlns:pc="http://schemas.microsoft.com/office/infopath/2007/PartnerControls">
-  <documentManagement/>
-</p:properties>
 </file>
 
 <file path=customXml/item3.xml><?xml version="1.0" encoding="utf-8"?>
@@ -16465,14 +16696,6 @@
 </file>
 
 <file path=customXml/itemProps1.xml><?xml version="1.0" encoding="utf-8"?>
-<ds:datastoreItem xmlns:ds="http://schemas.openxmlformats.org/officeDocument/2006/customXml" ds:itemID="{7D2542CC-467A-4770-BDA7-ADCFF09F6DBF}">
-  <ds:schemaRefs>
-    <ds:schemaRef ds:uri="http://schemas.microsoft.com/sharepoint/v3/contenttype/forms"/>
-  </ds:schemaRefs>
-</ds:datastoreItem>
-</file>
-
-<file path=customXml/itemProps2.xml><?xml version="1.0" encoding="utf-8"?>
 <ds:datastoreItem xmlns:ds="http://schemas.openxmlformats.org/officeDocument/2006/customXml" ds:itemID="{66985437-8812-4ABE-89CE-3E49C89E0BF6}">
   <ds:schemaRefs>
     <ds:schemaRef ds:uri="http://purl.org/dc/dcmitype/"/>
@@ -16484,6 +16707,14 @@
     <ds:schemaRef ds:uri="http://schemas.microsoft.com/office/infopath/2007/PartnerControls"/>
     <ds:schemaRef ds:uri="http://schemas.openxmlformats.org/package/2006/metadata/core-properties"/>
     <ds:schemaRef ds:uri="http://www.w3.org/XML/1998/namespace"/>
+  </ds:schemaRefs>
+</ds:datastoreItem>
+</file>
+
+<file path=customXml/itemProps2.xml><?xml version="1.0" encoding="utf-8"?>
+<ds:datastoreItem xmlns:ds="http://schemas.openxmlformats.org/officeDocument/2006/customXml" ds:itemID="{7D2542CC-467A-4770-BDA7-ADCFF09F6DBF}">
+  <ds:schemaRefs>
+    <ds:schemaRef ds:uri="http://schemas.microsoft.com/sharepoint/v3/contenttype/forms"/>
   </ds:schemaRefs>
 </ds:datastoreItem>
 </file>

--- a/doc/task-01/Präsentation/Task01- Ärzte - Suchtpatienten.pptx
+++ b/doc/task-01/Präsentation/Task01- Ärzte - Suchtpatienten.pptx
@@ -14017,7 +14017,7 @@
               <a:rPr lang="de-CH" sz="2000" dirty="0">
                 <a:latin typeface="Lucida Sans" panose="020B0602030504020204" pitchFamily="34" charset="0"/>
               </a:rPr>
-              <a:t>Herr Cruz möchte, dass in der Patienten-Management-Software die Patiententermine strukturiert und übersichtlich angezeigt werden, sodass er keine Zeit mit dem Finden von Terminen und Patienten verliert.</a:t>
+              <a:t>Herr Cruz möchte, dass in dem Patienten-Management-System die Patiententermine strukturiert und übersichtlich angezeigt werden, sodass er keine Zeit mit dem Finden von Terminen und Patienten verliert.</a:t>
             </a:r>
             <a:endParaRPr lang="de-DE" sz="2000" dirty="0">
               <a:latin typeface="Lucida Sans" panose="020B0602030504020204" pitchFamily="34" charset="0"/>
@@ -14375,7 +14375,7 @@
               <a:rPr lang="de-CH" sz="2000" dirty="0">
                 <a:latin typeface="Lucida Sans" panose="020B0602030504020204" pitchFamily="34" charset="0"/>
               </a:rPr>
-              <a:t>Frau Berchtold möchte, dass in der Patienten-Management-Software ein System angebunden ist, welches ermöglicht einfach Medikamente anzuwählen, damit Medikamentenfehler vermieden werden können. </a:t>
+              <a:t>Frau Berchtold möchte, dass in dem Patienten-Management-System ein System angebunden ist, welches ermöglicht einfach Medikamente anzuwählen, damit Medikamentenfehler vermieden werden können. </a:t>
             </a:r>
           </a:p>
         </p:txBody>
@@ -16318,18 +16318,18 @@
 </file>
 
 <file path=customXml/item1.xml><?xml version="1.0" encoding="utf-8"?>
+<p:properties xmlns:p="http://schemas.microsoft.com/office/2006/metadata/properties" xmlns:xsi="http://www.w3.org/2001/XMLSchema-instance" xmlns:pc="http://schemas.microsoft.com/office/infopath/2007/PartnerControls">
+  <documentManagement/>
+</p:properties>
+</file>
+
+<file path=customXml/item2.xml><?xml version="1.0" encoding="utf-8"?>
 <?mso-contentType ?>
 <FormTemplates xmlns="http://schemas.microsoft.com/sharepoint/v3/contenttype/forms">
   <Display>DocumentLibraryForm</Display>
   <Edit>DocumentLibraryForm</Edit>
   <New>DocumentLibraryForm</New>
 </FormTemplates>
-</file>
-
-<file path=customXml/item2.xml><?xml version="1.0" encoding="utf-8"?>
-<p:properties xmlns:p="http://schemas.microsoft.com/office/2006/metadata/properties" xmlns:xsi="http://www.w3.org/2001/XMLSchema-instance" xmlns:pc="http://schemas.microsoft.com/office/infopath/2007/PartnerControls">
-  <documentManagement/>
-</p:properties>
 </file>
 
 <file path=customXml/item3.xml><?xml version="1.0" encoding="utf-8"?>
@@ -16465,14 +16465,6 @@
 </file>
 
 <file path=customXml/itemProps1.xml><?xml version="1.0" encoding="utf-8"?>
-<ds:datastoreItem xmlns:ds="http://schemas.openxmlformats.org/officeDocument/2006/customXml" ds:itemID="{7D2542CC-467A-4770-BDA7-ADCFF09F6DBF}">
-  <ds:schemaRefs>
-    <ds:schemaRef ds:uri="http://schemas.microsoft.com/sharepoint/v3/contenttype/forms"/>
-  </ds:schemaRefs>
-</ds:datastoreItem>
-</file>
-
-<file path=customXml/itemProps2.xml><?xml version="1.0" encoding="utf-8"?>
 <ds:datastoreItem xmlns:ds="http://schemas.openxmlformats.org/officeDocument/2006/customXml" ds:itemID="{66985437-8812-4ABE-89CE-3E49C89E0BF6}">
   <ds:schemaRefs>
     <ds:schemaRef ds:uri="http://purl.org/dc/dcmitype/"/>
@@ -16484,6 +16476,14 @@
     <ds:schemaRef ds:uri="http://schemas.microsoft.com/office/infopath/2007/PartnerControls"/>
     <ds:schemaRef ds:uri="http://schemas.openxmlformats.org/package/2006/metadata/core-properties"/>
     <ds:schemaRef ds:uri="http://www.w3.org/XML/1998/namespace"/>
+  </ds:schemaRefs>
+</ds:datastoreItem>
+</file>
+
+<file path=customXml/itemProps2.xml><?xml version="1.0" encoding="utf-8"?>
+<ds:datastoreItem xmlns:ds="http://schemas.openxmlformats.org/officeDocument/2006/customXml" ds:itemID="{7D2542CC-467A-4770-BDA7-ADCFF09F6DBF}">
+  <ds:schemaRefs>
+    <ds:schemaRef ds:uri="http://schemas.microsoft.com/sharepoint/v3/contenttype/forms"/>
   </ds:schemaRefs>
 </ds:datastoreItem>
 </file>

--- a/doc/task-01/Präsentation/Task01- Ärzte - Suchtpatienten.pptx
+++ b/doc/task-01/Präsentation/Task01- Ärzte - Suchtpatienten.pptx
@@ -276,7 +276,7 @@
               <a:pPr>
                 <a:defRPr/>
               </a:pPr>
-              <a:t>31.10.2019</a:t>
+              <a:t>14.11.2019</a:t>
             </a:fld>
             <a:endParaRPr lang="de-CH"/>
           </a:p>
@@ -1207,7 +1207,7 @@
               <a:pPr>
                 <a:defRPr/>
               </a:pPr>
-              <a:t>31.10.2019</a:t>
+              <a:t>14.11.2019</a:t>
             </a:fld>
             <a:r>
               <a:rPr lang="de-DE" sz="1000"/>
@@ -2645,7 +2645,7 @@
               <a:pPr>
                 <a:defRPr/>
               </a:pPr>
-              <a:t>31.10.2019</a:t>
+              <a:t>14.11.2019</a:t>
             </a:fld>
             <a:r>
               <a:rPr lang="de-DE" sz="1000"/>
@@ -16318,18 +16318,18 @@
 </file>
 
 <file path=customXml/item1.xml><?xml version="1.0" encoding="utf-8"?>
-<p:properties xmlns:p="http://schemas.microsoft.com/office/2006/metadata/properties" xmlns:xsi="http://www.w3.org/2001/XMLSchema-instance" xmlns:pc="http://schemas.microsoft.com/office/infopath/2007/PartnerControls">
-  <documentManagement/>
-</p:properties>
-</file>
-
-<file path=customXml/item2.xml><?xml version="1.0" encoding="utf-8"?>
 <?mso-contentType ?>
 <FormTemplates xmlns="http://schemas.microsoft.com/sharepoint/v3/contenttype/forms">
   <Display>DocumentLibraryForm</Display>
   <Edit>DocumentLibraryForm</Edit>
   <New>DocumentLibraryForm</New>
 </FormTemplates>
+</file>
+
+<file path=customXml/item2.xml><?xml version="1.0" encoding="utf-8"?>
+<p:properties xmlns:p="http://schemas.microsoft.com/office/2006/metadata/properties" xmlns:xsi="http://www.w3.org/2001/XMLSchema-instance" xmlns:pc="http://schemas.microsoft.com/office/infopath/2007/PartnerControls">
+  <documentManagement/>
+</p:properties>
 </file>
 
 <file path=customXml/item3.xml><?xml version="1.0" encoding="utf-8"?>
@@ -16465,6 +16465,14 @@
 </file>
 
 <file path=customXml/itemProps1.xml><?xml version="1.0" encoding="utf-8"?>
+<ds:datastoreItem xmlns:ds="http://schemas.openxmlformats.org/officeDocument/2006/customXml" ds:itemID="{7D2542CC-467A-4770-BDA7-ADCFF09F6DBF}">
+  <ds:schemaRefs>
+    <ds:schemaRef ds:uri="http://schemas.microsoft.com/sharepoint/v3/contenttype/forms"/>
+  </ds:schemaRefs>
+</ds:datastoreItem>
+</file>
+
+<file path=customXml/itemProps2.xml><?xml version="1.0" encoding="utf-8"?>
 <ds:datastoreItem xmlns:ds="http://schemas.openxmlformats.org/officeDocument/2006/customXml" ds:itemID="{66985437-8812-4ABE-89CE-3E49C89E0BF6}">
   <ds:schemaRefs>
     <ds:schemaRef ds:uri="http://purl.org/dc/dcmitype/"/>
@@ -16476,14 +16484,6 @@
     <ds:schemaRef ds:uri="http://schemas.microsoft.com/office/infopath/2007/PartnerControls"/>
     <ds:schemaRef ds:uri="http://schemas.openxmlformats.org/package/2006/metadata/core-properties"/>
     <ds:schemaRef ds:uri="http://www.w3.org/XML/1998/namespace"/>
-  </ds:schemaRefs>
-</ds:datastoreItem>
-</file>
-
-<file path=customXml/itemProps2.xml><?xml version="1.0" encoding="utf-8"?>
-<ds:datastoreItem xmlns:ds="http://schemas.openxmlformats.org/officeDocument/2006/customXml" ds:itemID="{7D2542CC-467A-4770-BDA7-ADCFF09F6DBF}">
-  <ds:schemaRefs>
-    <ds:schemaRef ds:uri="http://schemas.microsoft.com/sharepoint/v3/contenttype/forms"/>
   </ds:schemaRefs>
 </ds:datastoreItem>
 </file>
